--- a/Grupo 2/Fase 1/Evidencias Grupales/CalmaVR-Fase1.pptx
+++ b/Grupo 2/Fase 1/Evidencias Grupales/CalmaVR-Fase1.pptx
@@ -308,7 +308,7 @@
       <p15:sldGuideLst xmlns:p15="http://schemas.microsoft.com/office/powerpoint/2012/main"/>
     </p:ext>
     <p:ext uri="GoogleSlidesCustomDataVersion2">
-      <go:slidesCustomData xmlns="" xmlns:go="http://customooxmlschemas.google.com/" xmlns:ahyp="http://schemas.microsoft.com/office/drawing/2018/hyperlinkcolor" xmlns:p15="http://schemas.microsoft.com/office/powerpoint/2012/main" xmlns:p14="http://schemas.microsoft.com/office/powerpoint/2010/main" xmlns:com="http://schemas.openxmlformats.org/drawingml/2006/compatibility" xmlns:pvml="urn:schemas-microsoft-com:office:powerpoint" xmlns:v="urn:schemas-microsoft-com:vml" xmlns:o="urn:schemas-microsoft-com:office:office" xmlns:dgm="http://schemas.openxmlformats.org/drawingml/2006/diagram" xmlns:c="http://schemas.openxmlformats.org/drawingml/2006/chart" xmlns:mv="urn:schemas-microsoft-com:mac:vml" xmlns:mc="http://schemas.openxmlformats.org/markup-compatibility/2006" r:id="rId41" roundtripDataSignature="AMtx7mhP474qFJP3CGBHz3Nb/BMt3eSMcg=="/>
+      <go:slidesCustomData xmlns:mc="http://schemas.openxmlformats.org/markup-compatibility/2006" xmlns:mv="urn:schemas-microsoft-com:mac:vml" xmlns:c="http://schemas.openxmlformats.org/drawingml/2006/chart" xmlns:dgm="http://schemas.openxmlformats.org/drawingml/2006/diagram" xmlns:o="urn:schemas-microsoft-com:office:office" xmlns:v="urn:schemas-microsoft-com:vml" xmlns:pvml="urn:schemas-microsoft-com:office:powerpoint" xmlns:com="http://schemas.openxmlformats.org/drawingml/2006/compatibility" xmlns:p14="http://schemas.microsoft.com/office/powerpoint/2010/main" xmlns:p15="http://schemas.microsoft.com/office/powerpoint/2012/main" xmlns:ahyp="http://schemas.microsoft.com/office/drawing/2018/hyperlinkcolor" xmlns:go="http://customooxmlschemas.google.com/" xmlns="" r:id="rId41" roundtripDataSignature="AMtx7mhP474qFJP3CGBHz3Nb/BMt3eSMcg=="/>
     </p:ext>
   </p:extLst>
 </p:presentation>
@@ -25579,32 +25579,49 @@
       </p:sp>
       <p:pic>
         <p:nvPicPr>
-          <p:cNvPr id="3" name="Imagen 2" descr="Imagen que contiene Escala de tiempo&#10;&#10;El contenido generado por IA puede ser incorrecto.">
+          <p:cNvPr id="1026" name="Picture 2" descr="Imagen que contiene Escala de tiempo&#10;&#10;El contenido generado por IA puede ser incorrecto.">
             <a:extLst>
               <a:ext uri="{FF2B5EF4-FFF2-40B4-BE49-F238E27FC236}">
-                <a16:creationId xmlns:a16="http://schemas.microsoft.com/office/drawing/2014/main" id="{A471D6DD-D73A-0266-E2FA-E3B022FA76A3}"/>
+                <a16:creationId xmlns:a16="http://schemas.microsoft.com/office/drawing/2014/main" id="{35A24A2A-2CA4-BCEE-95A5-1EB4ECA12639}"/>
               </a:ext>
             </a:extLst>
           </p:cNvPr>
           <p:cNvPicPr>
-            <a:picLocks noChangeAspect="1"/>
+            <a:picLocks noChangeAspect="1" noChangeArrowheads="1"/>
           </p:cNvPicPr>
           <p:nvPr/>
         </p:nvPicPr>
         <p:blipFill>
-          <a:blip r:embed="rId4"/>
+          <a:blip r:embed="rId4">
+            <a:extLst>
+              <a:ext uri="{28A0092B-C50C-407E-A947-70E740481C1C}">
+                <a14:useLocalDpi xmlns:a14="http://schemas.microsoft.com/office/drawing/2010/main" val="0"/>
+              </a:ext>
+            </a:extLst>
+          </a:blip>
+          <a:srcRect/>
           <a:stretch>
             <a:fillRect/>
           </a:stretch>
         </p:blipFill>
-        <p:spPr>
+        <p:spPr bwMode="auto">
           <a:xfrm>
-            <a:off x="0" y="1284361"/>
-            <a:ext cx="9144000" cy="3625103"/>
+            <a:off x="0" y="1252207"/>
+            <a:ext cx="9144000" cy="3625850"/>
           </a:xfrm>
           <a:prstGeom prst="rect">
             <a:avLst/>
           </a:prstGeom>
+          <a:noFill/>
+          <a:extLst>
+            <a:ext uri="{909E8E84-426E-40DD-AFC4-6F175D3DCCD1}">
+              <a14:hiddenFill xmlns:a14="http://schemas.microsoft.com/office/drawing/2010/main">
+                <a:solidFill>
+                  <a:srgbClr val="FFFFFF"/>
+                </a:solidFill>
+              </a14:hiddenFill>
+            </a:ext>
+          </a:extLst>
         </p:spPr>
       </p:pic>
     </p:spTree>
